--- a/eyeMouthMouseController.pptx
+++ b/eyeMouthMouseController.pptx
@@ -113,7 +113,7 @@
   </p:defaultTextStyle>
   <p:extLst>
     <p:ext uri="{EFAFB233-063F-42B5-8137-9DF3F51BA10A}">
-      <p15:sldGuideLst xmlns="" xmlns:p15="http://schemas.microsoft.com/office/powerpoint/2012/main"/>
+      <p15:sldGuideLst xmlns:p15="http://schemas.microsoft.com/office/powerpoint/2012/main" xmlns=""/>
     </p:ext>
   </p:extLst>
 </p:presentation>
@@ -141,7 +141,7 @@
           <p:cNvPr id="2" name="Title 1">
             <a:extLst>
               <a:ext uri="{FF2B5EF4-FFF2-40B4-BE49-F238E27FC236}">
-                <a16:creationId xmlns="" xmlns:a16="http://schemas.microsoft.com/office/drawing/2014/main" id="{771A0BF8-6686-4F02-AB36-9614142B369E}"/>
+                <a16:creationId xmlns:a16="http://schemas.microsoft.com/office/drawing/2014/main" xmlns="" id="{771A0BF8-6686-4F02-AB36-9614142B369E}"/>
               </a:ext>
             </a:extLst>
           </p:cNvPr>
@@ -179,7 +179,7 @@
           <p:cNvPr id="3" name="Subtitle 2">
             <a:extLst>
               <a:ext uri="{FF2B5EF4-FFF2-40B4-BE49-F238E27FC236}">
-                <a16:creationId xmlns="" xmlns:a16="http://schemas.microsoft.com/office/drawing/2014/main" id="{93B406FE-1165-421C-8D35-96F0CFEA6D51}"/>
+                <a16:creationId xmlns:a16="http://schemas.microsoft.com/office/drawing/2014/main" xmlns="" id="{93B406FE-1165-421C-8D35-96F0CFEA6D51}"/>
               </a:ext>
             </a:extLst>
           </p:cNvPr>
@@ -250,7 +250,7 @@
           <p:cNvPr id="4" name="Date Placeholder 3">
             <a:extLst>
               <a:ext uri="{FF2B5EF4-FFF2-40B4-BE49-F238E27FC236}">
-                <a16:creationId xmlns="" xmlns:a16="http://schemas.microsoft.com/office/drawing/2014/main" id="{DA7B22AA-13F6-430C-B5C3-3ED6A1325F28}"/>
+                <a16:creationId xmlns:a16="http://schemas.microsoft.com/office/drawing/2014/main" xmlns="" id="{DA7B22AA-13F6-430C-B5C3-3ED6A1325F28}"/>
               </a:ext>
             </a:extLst>
           </p:cNvPr>
@@ -279,7 +279,7 @@
           <p:cNvPr id="5" name="Footer Placeholder 4">
             <a:extLst>
               <a:ext uri="{FF2B5EF4-FFF2-40B4-BE49-F238E27FC236}">
-                <a16:creationId xmlns="" xmlns:a16="http://schemas.microsoft.com/office/drawing/2014/main" id="{12FB799C-1B8A-42C0-AD53-6DBEF2EC7EF6}"/>
+                <a16:creationId xmlns:a16="http://schemas.microsoft.com/office/drawing/2014/main" xmlns="" id="{12FB799C-1B8A-42C0-AD53-6DBEF2EC7EF6}"/>
               </a:ext>
             </a:extLst>
           </p:cNvPr>
@@ -304,7 +304,7 @@
           <p:cNvPr id="6" name="Slide Number Placeholder 5">
             <a:extLst>
               <a:ext uri="{FF2B5EF4-FFF2-40B4-BE49-F238E27FC236}">
-                <a16:creationId xmlns="" xmlns:a16="http://schemas.microsoft.com/office/drawing/2014/main" id="{8D8C035E-958A-44D5-9920-E77375E90336}"/>
+                <a16:creationId xmlns:a16="http://schemas.microsoft.com/office/drawing/2014/main" xmlns="" id="{8D8C035E-958A-44D5-9920-E77375E90336}"/>
               </a:ext>
             </a:extLst>
           </p:cNvPr>
@@ -363,7 +363,7 @@
           <p:cNvPr id="2" name="Title 1">
             <a:extLst>
               <a:ext uri="{FF2B5EF4-FFF2-40B4-BE49-F238E27FC236}">
-                <a16:creationId xmlns="" xmlns:a16="http://schemas.microsoft.com/office/drawing/2014/main" id="{81BE3A36-A7B5-4AED-90CE-DAABE341C72C}"/>
+                <a16:creationId xmlns:a16="http://schemas.microsoft.com/office/drawing/2014/main" xmlns="" id="{81BE3A36-A7B5-4AED-90CE-DAABE341C72C}"/>
               </a:ext>
             </a:extLst>
           </p:cNvPr>
@@ -392,7 +392,7 @@
           <p:cNvPr id="3" name="Vertical Text Placeholder 2">
             <a:extLst>
               <a:ext uri="{FF2B5EF4-FFF2-40B4-BE49-F238E27FC236}">
-                <a16:creationId xmlns="" xmlns:a16="http://schemas.microsoft.com/office/drawing/2014/main" id="{626DD818-2AC6-4AD8-ADB0-757AE6DE1FE6}"/>
+                <a16:creationId xmlns:a16="http://schemas.microsoft.com/office/drawing/2014/main" xmlns="" id="{626DD818-2AC6-4AD8-ADB0-757AE6DE1FE6}"/>
               </a:ext>
             </a:extLst>
           </p:cNvPr>
@@ -450,7 +450,7 @@
           <p:cNvPr id="4" name="Date Placeholder 3">
             <a:extLst>
               <a:ext uri="{FF2B5EF4-FFF2-40B4-BE49-F238E27FC236}">
-                <a16:creationId xmlns="" xmlns:a16="http://schemas.microsoft.com/office/drawing/2014/main" id="{1AB561BE-2670-413D-B85D-350DC6A08AAC}"/>
+                <a16:creationId xmlns:a16="http://schemas.microsoft.com/office/drawing/2014/main" xmlns="" id="{1AB561BE-2670-413D-B85D-350DC6A08AAC}"/>
               </a:ext>
             </a:extLst>
           </p:cNvPr>
@@ -479,7 +479,7 @@
           <p:cNvPr id="5" name="Footer Placeholder 4">
             <a:extLst>
               <a:ext uri="{FF2B5EF4-FFF2-40B4-BE49-F238E27FC236}">
-                <a16:creationId xmlns="" xmlns:a16="http://schemas.microsoft.com/office/drawing/2014/main" id="{8A7469BC-9B02-4F1D-9332-C52CAA6CD686}"/>
+                <a16:creationId xmlns:a16="http://schemas.microsoft.com/office/drawing/2014/main" xmlns="" id="{8A7469BC-9B02-4F1D-9332-C52CAA6CD686}"/>
               </a:ext>
             </a:extLst>
           </p:cNvPr>
@@ -504,7 +504,7 @@
           <p:cNvPr id="6" name="Slide Number Placeholder 5">
             <a:extLst>
               <a:ext uri="{FF2B5EF4-FFF2-40B4-BE49-F238E27FC236}">
-                <a16:creationId xmlns="" xmlns:a16="http://schemas.microsoft.com/office/drawing/2014/main" id="{B8F37A4D-841D-4B35-BD23-CCB82FC1C5BF}"/>
+                <a16:creationId xmlns:a16="http://schemas.microsoft.com/office/drawing/2014/main" xmlns="" id="{B8F37A4D-841D-4B35-BD23-CCB82FC1C5BF}"/>
               </a:ext>
             </a:extLst>
           </p:cNvPr>
@@ -563,7 +563,7 @@
           <p:cNvPr id="2" name="Vertical Title 1">
             <a:extLst>
               <a:ext uri="{FF2B5EF4-FFF2-40B4-BE49-F238E27FC236}">
-                <a16:creationId xmlns="" xmlns:a16="http://schemas.microsoft.com/office/drawing/2014/main" id="{F24028CB-78B2-414A-9948-C32EA4A46C81}"/>
+                <a16:creationId xmlns:a16="http://schemas.microsoft.com/office/drawing/2014/main" xmlns="" id="{F24028CB-78B2-414A-9948-C32EA4A46C81}"/>
               </a:ext>
             </a:extLst>
           </p:cNvPr>
@@ -597,7 +597,7 @@
           <p:cNvPr id="3" name="Vertical Text Placeholder 2">
             <a:extLst>
               <a:ext uri="{FF2B5EF4-FFF2-40B4-BE49-F238E27FC236}">
-                <a16:creationId xmlns="" xmlns:a16="http://schemas.microsoft.com/office/drawing/2014/main" id="{852AA2E1-9030-407F-A8FB-98BCFFFDF775}"/>
+                <a16:creationId xmlns:a16="http://schemas.microsoft.com/office/drawing/2014/main" xmlns="" id="{852AA2E1-9030-407F-A8FB-98BCFFFDF775}"/>
               </a:ext>
             </a:extLst>
           </p:cNvPr>
@@ -660,7 +660,7 @@
           <p:cNvPr id="4" name="Date Placeholder 3">
             <a:extLst>
               <a:ext uri="{FF2B5EF4-FFF2-40B4-BE49-F238E27FC236}">
-                <a16:creationId xmlns="" xmlns:a16="http://schemas.microsoft.com/office/drawing/2014/main" id="{80722082-BED4-46DC-B1C0-9696140EF480}"/>
+                <a16:creationId xmlns:a16="http://schemas.microsoft.com/office/drawing/2014/main" xmlns="" id="{80722082-BED4-46DC-B1C0-9696140EF480}"/>
               </a:ext>
             </a:extLst>
           </p:cNvPr>
@@ -689,7 +689,7 @@
           <p:cNvPr id="5" name="Footer Placeholder 4">
             <a:extLst>
               <a:ext uri="{FF2B5EF4-FFF2-40B4-BE49-F238E27FC236}">
-                <a16:creationId xmlns="" xmlns:a16="http://schemas.microsoft.com/office/drawing/2014/main" id="{F9485038-E165-45A4-8C75-C8A3CA8177EC}"/>
+                <a16:creationId xmlns:a16="http://schemas.microsoft.com/office/drawing/2014/main" xmlns="" id="{F9485038-E165-45A4-8C75-C8A3CA8177EC}"/>
               </a:ext>
             </a:extLst>
           </p:cNvPr>
@@ -714,7 +714,7 @@
           <p:cNvPr id="6" name="Slide Number Placeholder 5">
             <a:extLst>
               <a:ext uri="{FF2B5EF4-FFF2-40B4-BE49-F238E27FC236}">
-                <a16:creationId xmlns="" xmlns:a16="http://schemas.microsoft.com/office/drawing/2014/main" id="{C79D7943-C606-446E-B743-3AB1AE587BA9}"/>
+                <a16:creationId xmlns:a16="http://schemas.microsoft.com/office/drawing/2014/main" xmlns="" id="{C79D7943-C606-446E-B743-3AB1AE587BA9}"/>
               </a:ext>
             </a:extLst>
           </p:cNvPr>
@@ -773,7 +773,7 @@
           <p:cNvPr id="2" name="Title 1">
             <a:extLst>
               <a:ext uri="{FF2B5EF4-FFF2-40B4-BE49-F238E27FC236}">
-                <a16:creationId xmlns="" xmlns:a16="http://schemas.microsoft.com/office/drawing/2014/main" id="{F1628C7A-67F3-4CAD-9852-569FF656AD4E}"/>
+                <a16:creationId xmlns:a16="http://schemas.microsoft.com/office/drawing/2014/main" xmlns="" id="{F1628C7A-67F3-4CAD-9852-569FF656AD4E}"/>
               </a:ext>
             </a:extLst>
           </p:cNvPr>
@@ -802,7 +802,7 @@
           <p:cNvPr id="3" name="Content Placeholder 2">
             <a:extLst>
               <a:ext uri="{FF2B5EF4-FFF2-40B4-BE49-F238E27FC236}">
-                <a16:creationId xmlns="" xmlns:a16="http://schemas.microsoft.com/office/drawing/2014/main" id="{1D1E717F-25DD-4AF6-8E4C-C3F0B7258767}"/>
+                <a16:creationId xmlns:a16="http://schemas.microsoft.com/office/drawing/2014/main" xmlns="" id="{1D1E717F-25DD-4AF6-8E4C-C3F0B7258767}"/>
               </a:ext>
             </a:extLst>
           </p:cNvPr>
@@ -860,7 +860,7 @@
           <p:cNvPr id="4" name="Date Placeholder 3">
             <a:extLst>
               <a:ext uri="{FF2B5EF4-FFF2-40B4-BE49-F238E27FC236}">
-                <a16:creationId xmlns="" xmlns:a16="http://schemas.microsoft.com/office/drawing/2014/main" id="{5EB9BF79-C6C8-4A28-B317-36AB52011BBD}"/>
+                <a16:creationId xmlns:a16="http://schemas.microsoft.com/office/drawing/2014/main" xmlns="" id="{5EB9BF79-C6C8-4A28-B317-36AB52011BBD}"/>
               </a:ext>
             </a:extLst>
           </p:cNvPr>
@@ -889,7 +889,7 @@
           <p:cNvPr id="5" name="Footer Placeholder 4">
             <a:extLst>
               <a:ext uri="{FF2B5EF4-FFF2-40B4-BE49-F238E27FC236}">
-                <a16:creationId xmlns="" xmlns:a16="http://schemas.microsoft.com/office/drawing/2014/main" id="{A052C1D1-F1BF-42DD-A7C6-2ED272DF8AF6}"/>
+                <a16:creationId xmlns:a16="http://schemas.microsoft.com/office/drawing/2014/main" xmlns="" id="{A052C1D1-F1BF-42DD-A7C6-2ED272DF8AF6}"/>
               </a:ext>
             </a:extLst>
           </p:cNvPr>
@@ -914,7 +914,7 @@
           <p:cNvPr id="6" name="Slide Number Placeholder 5">
             <a:extLst>
               <a:ext uri="{FF2B5EF4-FFF2-40B4-BE49-F238E27FC236}">
-                <a16:creationId xmlns="" xmlns:a16="http://schemas.microsoft.com/office/drawing/2014/main" id="{B05916BF-016F-4056-985B-466516E68445}"/>
+                <a16:creationId xmlns:a16="http://schemas.microsoft.com/office/drawing/2014/main" xmlns="" id="{B05916BF-016F-4056-985B-466516E68445}"/>
               </a:ext>
             </a:extLst>
           </p:cNvPr>
@@ -973,7 +973,7 @@
           <p:cNvPr id="2" name="Title 1">
             <a:extLst>
               <a:ext uri="{FF2B5EF4-FFF2-40B4-BE49-F238E27FC236}">
-                <a16:creationId xmlns="" xmlns:a16="http://schemas.microsoft.com/office/drawing/2014/main" id="{A39FAECB-6827-4D91-8EB5-800DD8EA28F3}"/>
+                <a16:creationId xmlns:a16="http://schemas.microsoft.com/office/drawing/2014/main" xmlns="" id="{A39FAECB-6827-4D91-8EB5-800DD8EA28F3}"/>
               </a:ext>
             </a:extLst>
           </p:cNvPr>
@@ -1011,7 +1011,7 @@
           <p:cNvPr id="3" name="Text Placeholder 2">
             <a:extLst>
               <a:ext uri="{FF2B5EF4-FFF2-40B4-BE49-F238E27FC236}">
-                <a16:creationId xmlns="" xmlns:a16="http://schemas.microsoft.com/office/drawing/2014/main" id="{73CEBD6D-8344-4937-9A0D-E2DBE531B3F1}"/>
+                <a16:creationId xmlns:a16="http://schemas.microsoft.com/office/drawing/2014/main" xmlns="" id="{73CEBD6D-8344-4937-9A0D-E2DBE531B3F1}"/>
               </a:ext>
             </a:extLst>
           </p:cNvPr>
@@ -1136,7 +1136,7 @@
           <p:cNvPr id="4" name="Date Placeholder 3">
             <a:extLst>
               <a:ext uri="{FF2B5EF4-FFF2-40B4-BE49-F238E27FC236}">
-                <a16:creationId xmlns="" xmlns:a16="http://schemas.microsoft.com/office/drawing/2014/main" id="{40598055-7F4B-4E57-92A1-C43CE07ED7D1}"/>
+                <a16:creationId xmlns:a16="http://schemas.microsoft.com/office/drawing/2014/main" xmlns="" id="{40598055-7F4B-4E57-92A1-C43CE07ED7D1}"/>
               </a:ext>
             </a:extLst>
           </p:cNvPr>
@@ -1165,7 +1165,7 @@
           <p:cNvPr id="5" name="Footer Placeholder 4">
             <a:extLst>
               <a:ext uri="{FF2B5EF4-FFF2-40B4-BE49-F238E27FC236}">
-                <a16:creationId xmlns="" xmlns:a16="http://schemas.microsoft.com/office/drawing/2014/main" id="{0BC8293C-337A-46B9-801C-405BA28F919C}"/>
+                <a16:creationId xmlns:a16="http://schemas.microsoft.com/office/drawing/2014/main" xmlns="" id="{0BC8293C-337A-46B9-801C-405BA28F919C}"/>
               </a:ext>
             </a:extLst>
           </p:cNvPr>
@@ -1190,7 +1190,7 @@
           <p:cNvPr id="6" name="Slide Number Placeholder 5">
             <a:extLst>
               <a:ext uri="{FF2B5EF4-FFF2-40B4-BE49-F238E27FC236}">
-                <a16:creationId xmlns="" xmlns:a16="http://schemas.microsoft.com/office/drawing/2014/main" id="{77FE3A87-6EF6-4E32-958D-D3BDE968EC61}"/>
+                <a16:creationId xmlns:a16="http://schemas.microsoft.com/office/drawing/2014/main" xmlns="" id="{77FE3A87-6EF6-4E32-958D-D3BDE968EC61}"/>
               </a:ext>
             </a:extLst>
           </p:cNvPr>
@@ -1249,7 +1249,7 @@
           <p:cNvPr id="2" name="Title 1">
             <a:extLst>
               <a:ext uri="{FF2B5EF4-FFF2-40B4-BE49-F238E27FC236}">
-                <a16:creationId xmlns="" xmlns:a16="http://schemas.microsoft.com/office/drawing/2014/main" id="{439C1E4F-8411-4152-A040-45E4E38D465B}"/>
+                <a16:creationId xmlns:a16="http://schemas.microsoft.com/office/drawing/2014/main" xmlns="" id="{439C1E4F-8411-4152-A040-45E4E38D465B}"/>
               </a:ext>
             </a:extLst>
           </p:cNvPr>
@@ -1278,7 +1278,7 @@
           <p:cNvPr id="3" name="Content Placeholder 2">
             <a:extLst>
               <a:ext uri="{FF2B5EF4-FFF2-40B4-BE49-F238E27FC236}">
-                <a16:creationId xmlns="" xmlns:a16="http://schemas.microsoft.com/office/drawing/2014/main" id="{0C93C882-D441-40BC-AAB7-FB3EF79F6F5C}"/>
+                <a16:creationId xmlns:a16="http://schemas.microsoft.com/office/drawing/2014/main" xmlns="" id="{0C93C882-D441-40BC-AAB7-FB3EF79F6F5C}"/>
               </a:ext>
             </a:extLst>
           </p:cNvPr>
@@ -1341,7 +1341,7 @@
           <p:cNvPr id="4" name="Content Placeholder 3">
             <a:extLst>
               <a:ext uri="{FF2B5EF4-FFF2-40B4-BE49-F238E27FC236}">
-                <a16:creationId xmlns="" xmlns:a16="http://schemas.microsoft.com/office/drawing/2014/main" id="{880FF742-A50B-4EB6-86AE-E67F120A5B68}"/>
+                <a16:creationId xmlns:a16="http://schemas.microsoft.com/office/drawing/2014/main" xmlns="" id="{880FF742-A50B-4EB6-86AE-E67F120A5B68}"/>
               </a:ext>
             </a:extLst>
           </p:cNvPr>
@@ -1404,7 +1404,7 @@
           <p:cNvPr id="5" name="Date Placeholder 4">
             <a:extLst>
               <a:ext uri="{FF2B5EF4-FFF2-40B4-BE49-F238E27FC236}">
-                <a16:creationId xmlns="" xmlns:a16="http://schemas.microsoft.com/office/drawing/2014/main" id="{5ACB9172-F4DE-4657-A074-EF8778EE7E7D}"/>
+                <a16:creationId xmlns:a16="http://schemas.microsoft.com/office/drawing/2014/main" xmlns="" id="{5ACB9172-F4DE-4657-A074-EF8778EE7E7D}"/>
               </a:ext>
             </a:extLst>
           </p:cNvPr>
@@ -1433,7 +1433,7 @@
           <p:cNvPr id="6" name="Footer Placeholder 5">
             <a:extLst>
               <a:ext uri="{FF2B5EF4-FFF2-40B4-BE49-F238E27FC236}">
-                <a16:creationId xmlns="" xmlns:a16="http://schemas.microsoft.com/office/drawing/2014/main" id="{77507DBE-C8F7-423C-9124-EE7B3D22E368}"/>
+                <a16:creationId xmlns:a16="http://schemas.microsoft.com/office/drawing/2014/main" xmlns="" id="{77507DBE-C8F7-423C-9124-EE7B3D22E368}"/>
               </a:ext>
             </a:extLst>
           </p:cNvPr>
@@ -1458,7 +1458,7 @@
           <p:cNvPr id="7" name="Slide Number Placeholder 6">
             <a:extLst>
               <a:ext uri="{FF2B5EF4-FFF2-40B4-BE49-F238E27FC236}">
-                <a16:creationId xmlns="" xmlns:a16="http://schemas.microsoft.com/office/drawing/2014/main" id="{D881AC0B-71D5-43A5-AD86-9668B4D92263}"/>
+                <a16:creationId xmlns:a16="http://schemas.microsoft.com/office/drawing/2014/main" xmlns="" id="{D881AC0B-71D5-43A5-AD86-9668B4D92263}"/>
               </a:ext>
             </a:extLst>
           </p:cNvPr>
@@ -1517,7 +1517,7 @@
           <p:cNvPr id="2" name="Title 1">
             <a:extLst>
               <a:ext uri="{FF2B5EF4-FFF2-40B4-BE49-F238E27FC236}">
-                <a16:creationId xmlns="" xmlns:a16="http://schemas.microsoft.com/office/drawing/2014/main" id="{18C204D3-549C-4770-B620-7E3D4678A946}"/>
+                <a16:creationId xmlns:a16="http://schemas.microsoft.com/office/drawing/2014/main" xmlns="" id="{18C204D3-549C-4770-B620-7E3D4678A946}"/>
               </a:ext>
             </a:extLst>
           </p:cNvPr>
@@ -1551,7 +1551,7 @@
           <p:cNvPr id="3" name="Text Placeholder 2">
             <a:extLst>
               <a:ext uri="{FF2B5EF4-FFF2-40B4-BE49-F238E27FC236}">
-                <a16:creationId xmlns="" xmlns:a16="http://schemas.microsoft.com/office/drawing/2014/main" id="{54306D22-9474-474E-A4DD-36D304E57648}"/>
+                <a16:creationId xmlns:a16="http://schemas.microsoft.com/office/drawing/2014/main" xmlns="" id="{54306D22-9474-474E-A4DD-36D304E57648}"/>
               </a:ext>
             </a:extLst>
           </p:cNvPr>
@@ -1622,7 +1622,7 @@
           <p:cNvPr id="4" name="Content Placeholder 3">
             <a:extLst>
               <a:ext uri="{FF2B5EF4-FFF2-40B4-BE49-F238E27FC236}">
-                <a16:creationId xmlns="" xmlns:a16="http://schemas.microsoft.com/office/drawing/2014/main" id="{AD9ED9F3-E75B-4CB6-9C20-44656AF0159D}"/>
+                <a16:creationId xmlns:a16="http://schemas.microsoft.com/office/drawing/2014/main" xmlns="" id="{AD9ED9F3-E75B-4CB6-9C20-44656AF0159D}"/>
               </a:ext>
             </a:extLst>
           </p:cNvPr>
@@ -1685,7 +1685,7 @@
           <p:cNvPr id="5" name="Text Placeholder 4">
             <a:extLst>
               <a:ext uri="{FF2B5EF4-FFF2-40B4-BE49-F238E27FC236}">
-                <a16:creationId xmlns="" xmlns:a16="http://schemas.microsoft.com/office/drawing/2014/main" id="{82AB8604-4E78-4EF6-AF81-B832751C756A}"/>
+                <a16:creationId xmlns:a16="http://schemas.microsoft.com/office/drawing/2014/main" xmlns="" id="{82AB8604-4E78-4EF6-AF81-B832751C756A}"/>
               </a:ext>
             </a:extLst>
           </p:cNvPr>
@@ -1756,7 +1756,7 @@
           <p:cNvPr id="6" name="Content Placeholder 5">
             <a:extLst>
               <a:ext uri="{FF2B5EF4-FFF2-40B4-BE49-F238E27FC236}">
-                <a16:creationId xmlns="" xmlns:a16="http://schemas.microsoft.com/office/drawing/2014/main" id="{14C7266C-4F95-4B63-B8A4-5D430A6FCB51}"/>
+                <a16:creationId xmlns:a16="http://schemas.microsoft.com/office/drawing/2014/main" xmlns="" id="{14C7266C-4F95-4B63-B8A4-5D430A6FCB51}"/>
               </a:ext>
             </a:extLst>
           </p:cNvPr>
@@ -1819,7 +1819,7 @@
           <p:cNvPr id="7" name="Date Placeholder 6">
             <a:extLst>
               <a:ext uri="{FF2B5EF4-FFF2-40B4-BE49-F238E27FC236}">
-                <a16:creationId xmlns="" xmlns:a16="http://schemas.microsoft.com/office/drawing/2014/main" id="{8DA605C0-AC58-49C3-BFDA-E7ADCFC7B8CA}"/>
+                <a16:creationId xmlns:a16="http://schemas.microsoft.com/office/drawing/2014/main" xmlns="" id="{8DA605C0-AC58-49C3-BFDA-E7ADCFC7B8CA}"/>
               </a:ext>
             </a:extLst>
           </p:cNvPr>
@@ -1848,7 +1848,7 @@
           <p:cNvPr id="8" name="Footer Placeholder 7">
             <a:extLst>
               <a:ext uri="{FF2B5EF4-FFF2-40B4-BE49-F238E27FC236}">
-                <a16:creationId xmlns="" xmlns:a16="http://schemas.microsoft.com/office/drawing/2014/main" id="{A8CDB99B-8E2F-47DA-B6C3-50842D8C3DD2}"/>
+                <a16:creationId xmlns:a16="http://schemas.microsoft.com/office/drawing/2014/main" xmlns="" id="{A8CDB99B-8E2F-47DA-B6C3-50842D8C3DD2}"/>
               </a:ext>
             </a:extLst>
           </p:cNvPr>
@@ -1873,7 +1873,7 @@
           <p:cNvPr id="9" name="Slide Number Placeholder 8">
             <a:extLst>
               <a:ext uri="{FF2B5EF4-FFF2-40B4-BE49-F238E27FC236}">
-                <a16:creationId xmlns="" xmlns:a16="http://schemas.microsoft.com/office/drawing/2014/main" id="{900ACA83-753D-4AEE-B568-755DCF5ED7F7}"/>
+                <a16:creationId xmlns:a16="http://schemas.microsoft.com/office/drawing/2014/main" xmlns="" id="{900ACA83-753D-4AEE-B568-755DCF5ED7F7}"/>
               </a:ext>
             </a:extLst>
           </p:cNvPr>
@@ -1932,7 +1932,7 @@
           <p:cNvPr id="2" name="Title 1">
             <a:extLst>
               <a:ext uri="{FF2B5EF4-FFF2-40B4-BE49-F238E27FC236}">
-                <a16:creationId xmlns="" xmlns:a16="http://schemas.microsoft.com/office/drawing/2014/main" id="{80738EDC-8D44-427B-90E0-FBD0FBAC9691}"/>
+                <a16:creationId xmlns:a16="http://schemas.microsoft.com/office/drawing/2014/main" xmlns="" id="{80738EDC-8D44-427B-90E0-FBD0FBAC9691}"/>
               </a:ext>
             </a:extLst>
           </p:cNvPr>
@@ -1961,7 +1961,7 @@
           <p:cNvPr id="3" name="Date Placeholder 2">
             <a:extLst>
               <a:ext uri="{FF2B5EF4-FFF2-40B4-BE49-F238E27FC236}">
-                <a16:creationId xmlns="" xmlns:a16="http://schemas.microsoft.com/office/drawing/2014/main" id="{A8AE544B-A36F-473A-86AF-50F02429182D}"/>
+                <a16:creationId xmlns:a16="http://schemas.microsoft.com/office/drawing/2014/main" xmlns="" id="{A8AE544B-A36F-473A-86AF-50F02429182D}"/>
               </a:ext>
             </a:extLst>
           </p:cNvPr>
@@ -1990,7 +1990,7 @@
           <p:cNvPr id="4" name="Footer Placeholder 3">
             <a:extLst>
               <a:ext uri="{FF2B5EF4-FFF2-40B4-BE49-F238E27FC236}">
-                <a16:creationId xmlns="" xmlns:a16="http://schemas.microsoft.com/office/drawing/2014/main" id="{3E6F2748-531A-4318-A370-27EDE490E8C2}"/>
+                <a16:creationId xmlns:a16="http://schemas.microsoft.com/office/drawing/2014/main" xmlns="" id="{3E6F2748-531A-4318-A370-27EDE490E8C2}"/>
               </a:ext>
             </a:extLst>
           </p:cNvPr>
@@ -2015,7 +2015,7 @@
           <p:cNvPr id="5" name="Slide Number Placeholder 4">
             <a:extLst>
               <a:ext uri="{FF2B5EF4-FFF2-40B4-BE49-F238E27FC236}">
-                <a16:creationId xmlns="" xmlns:a16="http://schemas.microsoft.com/office/drawing/2014/main" id="{A5AD6E57-F20B-43D2-A268-2449E7D4ADF8}"/>
+                <a16:creationId xmlns:a16="http://schemas.microsoft.com/office/drawing/2014/main" xmlns="" id="{A5AD6E57-F20B-43D2-A268-2449E7D4ADF8}"/>
               </a:ext>
             </a:extLst>
           </p:cNvPr>
@@ -2074,7 +2074,7 @@
           <p:cNvPr id="2" name="Date Placeholder 1">
             <a:extLst>
               <a:ext uri="{FF2B5EF4-FFF2-40B4-BE49-F238E27FC236}">
-                <a16:creationId xmlns="" xmlns:a16="http://schemas.microsoft.com/office/drawing/2014/main" id="{CCEC2F6E-BB8D-4A07-B873-A379FEAE4F53}"/>
+                <a16:creationId xmlns:a16="http://schemas.microsoft.com/office/drawing/2014/main" xmlns="" id="{CCEC2F6E-BB8D-4A07-B873-A379FEAE4F53}"/>
               </a:ext>
             </a:extLst>
           </p:cNvPr>
@@ -2103,7 +2103,7 @@
           <p:cNvPr id="3" name="Footer Placeholder 2">
             <a:extLst>
               <a:ext uri="{FF2B5EF4-FFF2-40B4-BE49-F238E27FC236}">
-                <a16:creationId xmlns="" xmlns:a16="http://schemas.microsoft.com/office/drawing/2014/main" id="{29C64672-2E28-45BB-AB1E-9CA10E90883B}"/>
+                <a16:creationId xmlns:a16="http://schemas.microsoft.com/office/drawing/2014/main" xmlns="" id="{29C64672-2E28-45BB-AB1E-9CA10E90883B}"/>
               </a:ext>
             </a:extLst>
           </p:cNvPr>
@@ -2128,7 +2128,7 @@
           <p:cNvPr id="4" name="Slide Number Placeholder 3">
             <a:extLst>
               <a:ext uri="{FF2B5EF4-FFF2-40B4-BE49-F238E27FC236}">
-                <a16:creationId xmlns="" xmlns:a16="http://schemas.microsoft.com/office/drawing/2014/main" id="{433CCF35-5028-4E4D-8F6E-2E2DF0FB4299}"/>
+                <a16:creationId xmlns:a16="http://schemas.microsoft.com/office/drawing/2014/main" xmlns="" id="{433CCF35-5028-4E4D-8F6E-2E2DF0FB4299}"/>
               </a:ext>
             </a:extLst>
           </p:cNvPr>
@@ -2187,7 +2187,7 @@
           <p:cNvPr id="2" name="Title 1">
             <a:extLst>
               <a:ext uri="{FF2B5EF4-FFF2-40B4-BE49-F238E27FC236}">
-                <a16:creationId xmlns="" xmlns:a16="http://schemas.microsoft.com/office/drawing/2014/main" id="{4760471D-7A64-4A50-B9A6-0F3A78088AB3}"/>
+                <a16:creationId xmlns:a16="http://schemas.microsoft.com/office/drawing/2014/main" xmlns="" id="{4760471D-7A64-4A50-B9A6-0F3A78088AB3}"/>
               </a:ext>
             </a:extLst>
           </p:cNvPr>
@@ -2225,7 +2225,7 @@
           <p:cNvPr id="3" name="Content Placeholder 2">
             <a:extLst>
               <a:ext uri="{FF2B5EF4-FFF2-40B4-BE49-F238E27FC236}">
-                <a16:creationId xmlns="" xmlns:a16="http://schemas.microsoft.com/office/drawing/2014/main" id="{C16427B1-871E-4C56-AF97-3F78ADBFA9C8}"/>
+                <a16:creationId xmlns:a16="http://schemas.microsoft.com/office/drawing/2014/main" xmlns="" id="{C16427B1-871E-4C56-AF97-3F78ADBFA9C8}"/>
               </a:ext>
             </a:extLst>
           </p:cNvPr>
@@ -2316,7 +2316,7 @@
           <p:cNvPr id="4" name="Text Placeholder 3">
             <a:extLst>
               <a:ext uri="{FF2B5EF4-FFF2-40B4-BE49-F238E27FC236}">
-                <a16:creationId xmlns="" xmlns:a16="http://schemas.microsoft.com/office/drawing/2014/main" id="{6CF52702-EC0A-4FBA-9939-DCF10E412D80}"/>
+                <a16:creationId xmlns:a16="http://schemas.microsoft.com/office/drawing/2014/main" xmlns="" id="{6CF52702-EC0A-4FBA-9939-DCF10E412D80}"/>
               </a:ext>
             </a:extLst>
           </p:cNvPr>
@@ -2387,7 +2387,7 @@
           <p:cNvPr id="5" name="Date Placeholder 4">
             <a:extLst>
               <a:ext uri="{FF2B5EF4-FFF2-40B4-BE49-F238E27FC236}">
-                <a16:creationId xmlns="" xmlns:a16="http://schemas.microsoft.com/office/drawing/2014/main" id="{A1EDDBB8-93FE-4585-A97D-0E391EE246F7}"/>
+                <a16:creationId xmlns:a16="http://schemas.microsoft.com/office/drawing/2014/main" xmlns="" id="{A1EDDBB8-93FE-4585-A97D-0E391EE246F7}"/>
               </a:ext>
             </a:extLst>
           </p:cNvPr>
@@ -2416,7 +2416,7 @@
           <p:cNvPr id="6" name="Footer Placeholder 5">
             <a:extLst>
               <a:ext uri="{FF2B5EF4-FFF2-40B4-BE49-F238E27FC236}">
-                <a16:creationId xmlns="" xmlns:a16="http://schemas.microsoft.com/office/drawing/2014/main" id="{2CB77A2A-D97D-4B06-A029-77A3A88DA3E4}"/>
+                <a16:creationId xmlns:a16="http://schemas.microsoft.com/office/drawing/2014/main" xmlns="" id="{2CB77A2A-D97D-4B06-A029-77A3A88DA3E4}"/>
               </a:ext>
             </a:extLst>
           </p:cNvPr>
@@ -2441,7 +2441,7 @@
           <p:cNvPr id="7" name="Slide Number Placeholder 6">
             <a:extLst>
               <a:ext uri="{FF2B5EF4-FFF2-40B4-BE49-F238E27FC236}">
-                <a16:creationId xmlns="" xmlns:a16="http://schemas.microsoft.com/office/drawing/2014/main" id="{9BF4E011-48A8-486A-BF53-E7C085173F29}"/>
+                <a16:creationId xmlns:a16="http://schemas.microsoft.com/office/drawing/2014/main" xmlns="" id="{9BF4E011-48A8-486A-BF53-E7C085173F29}"/>
               </a:ext>
             </a:extLst>
           </p:cNvPr>
@@ -2500,7 +2500,7 @@
           <p:cNvPr id="2" name="Title 1">
             <a:extLst>
               <a:ext uri="{FF2B5EF4-FFF2-40B4-BE49-F238E27FC236}">
-                <a16:creationId xmlns="" xmlns:a16="http://schemas.microsoft.com/office/drawing/2014/main" id="{C8EA2B76-0D50-4AE7-8E70-B69B2F112A49}"/>
+                <a16:creationId xmlns:a16="http://schemas.microsoft.com/office/drawing/2014/main" xmlns="" id="{C8EA2B76-0D50-4AE7-8E70-B69B2F112A49}"/>
               </a:ext>
             </a:extLst>
           </p:cNvPr>
@@ -2538,7 +2538,7 @@
           <p:cNvPr id="3" name="Picture Placeholder 2">
             <a:extLst>
               <a:ext uri="{FF2B5EF4-FFF2-40B4-BE49-F238E27FC236}">
-                <a16:creationId xmlns="" xmlns:a16="http://schemas.microsoft.com/office/drawing/2014/main" id="{6E700288-1A1C-45A8-B99A-68E661D708A9}"/>
+                <a16:creationId xmlns:a16="http://schemas.microsoft.com/office/drawing/2014/main" xmlns="" id="{6E700288-1A1C-45A8-B99A-68E661D708A9}"/>
               </a:ext>
             </a:extLst>
           </p:cNvPr>
@@ -2605,7 +2605,7 @@
           <p:cNvPr id="4" name="Text Placeholder 3">
             <a:extLst>
               <a:ext uri="{FF2B5EF4-FFF2-40B4-BE49-F238E27FC236}">
-                <a16:creationId xmlns="" xmlns:a16="http://schemas.microsoft.com/office/drawing/2014/main" id="{C8D19D42-4449-4938-BE9F-F8A026382E85}"/>
+                <a16:creationId xmlns:a16="http://schemas.microsoft.com/office/drawing/2014/main" xmlns="" id="{C8D19D42-4449-4938-BE9F-F8A026382E85}"/>
               </a:ext>
             </a:extLst>
           </p:cNvPr>
@@ -2676,7 +2676,7 @@
           <p:cNvPr id="5" name="Date Placeholder 4">
             <a:extLst>
               <a:ext uri="{FF2B5EF4-FFF2-40B4-BE49-F238E27FC236}">
-                <a16:creationId xmlns="" xmlns:a16="http://schemas.microsoft.com/office/drawing/2014/main" id="{715CB693-3AD5-4FB5-9BD7-DDA6EA895AA0}"/>
+                <a16:creationId xmlns:a16="http://schemas.microsoft.com/office/drawing/2014/main" xmlns="" id="{715CB693-3AD5-4FB5-9BD7-DDA6EA895AA0}"/>
               </a:ext>
             </a:extLst>
           </p:cNvPr>
@@ -2705,7 +2705,7 @@
           <p:cNvPr id="6" name="Footer Placeholder 5">
             <a:extLst>
               <a:ext uri="{FF2B5EF4-FFF2-40B4-BE49-F238E27FC236}">
-                <a16:creationId xmlns="" xmlns:a16="http://schemas.microsoft.com/office/drawing/2014/main" id="{BB28CAAB-378F-4646-836D-6723AF22695B}"/>
+                <a16:creationId xmlns:a16="http://schemas.microsoft.com/office/drawing/2014/main" xmlns="" id="{BB28CAAB-378F-4646-836D-6723AF22695B}"/>
               </a:ext>
             </a:extLst>
           </p:cNvPr>
@@ -2730,7 +2730,7 @@
           <p:cNvPr id="7" name="Slide Number Placeholder 6">
             <a:extLst>
               <a:ext uri="{FF2B5EF4-FFF2-40B4-BE49-F238E27FC236}">
-                <a16:creationId xmlns="" xmlns:a16="http://schemas.microsoft.com/office/drawing/2014/main" id="{E08A5F22-2F00-4B7E-95E3-D4E37EE6F9BD}"/>
+                <a16:creationId xmlns:a16="http://schemas.microsoft.com/office/drawing/2014/main" xmlns="" id="{E08A5F22-2F00-4B7E-95E3-D4E37EE6F9BD}"/>
               </a:ext>
             </a:extLst>
           </p:cNvPr>
@@ -2794,7 +2794,7 @@
           <p:cNvPr id="2" name="Title Placeholder 1">
             <a:extLst>
               <a:ext uri="{FF2B5EF4-FFF2-40B4-BE49-F238E27FC236}">
-                <a16:creationId xmlns="" xmlns:a16="http://schemas.microsoft.com/office/drawing/2014/main" id="{EC73493B-E27E-4DC0-A41A-7E254FDDD4F9}"/>
+                <a16:creationId xmlns:a16="http://schemas.microsoft.com/office/drawing/2014/main" xmlns="" id="{EC73493B-E27E-4DC0-A41A-7E254FDDD4F9}"/>
               </a:ext>
             </a:extLst>
           </p:cNvPr>
@@ -2833,7 +2833,7 @@
           <p:cNvPr id="3" name="Text Placeholder 2">
             <a:extLst>
               <a:ext uri="{FF2B5EF4-FFF2-40B4-BE49-F238E27FC236}">
-                <a16:creationId xmlns="" xmlns:a16="http://schemas.microsoft.com/office/drawing/2014/main" id="{6B619A8B-408B-4DCB-AC39-AC640BF8562E}"/>
+                <a16:creationId xmlns:a16="http://schemas.microsoft.com/office/drawing/2014/main" xmlns="" id="{6B619A8B-408B-4DCB-AC39-AC640BF8562E}"/>
               </a:ext>
             </a:extLst>
           </p:cNvPr>
@@ -2901,7 +2901,7 @@
           <p:cNvPr id="4" name="Date Placeholder 3">
             <a:extLst>
               <a:ext uri="{FF2B5EF4-FFF2-40B4-BE49-F238E27FC236}">
-                <a16:creationId xmlns="" xmlns:a16="http://schemas.microsoft.com/office/drawing/2014/main" id="{A4A87CC5-FBB1-4FE5-893F-7BD071C75E09}"/>
+                <a16:creationId xmlns:a16="http://schemas.microsoft.com/office/drawing/2014/main" xmlns="" id="{A4A87CC5-FBB1-4FE5-893F-7BD071C75E09}"/>
               </a:ext>
             </a:extLst>
           </p:cNvPr>
@@ -2948,7 +2948,7 @@
           <p:cNvPr id="5" name="Footer Placeholder 4">
             <a:extLst>
               <a:ext uri="{FF2B5EF4-FFF2-40B4-BE49-F238E27FC236}">
-                <a16:creationId xmlns="" xmlns:a16="http://schemas.microsoft.com/office/drawing/2014/main" id="{068E1BCB-E2F2-4D1B-BCFC-521169C8EA83}"/>
+                <a16:creationId xmlns:a16="http://schemas.microsoft.com/office/drawing/2014/main" xmlns="" id="{068E1BCB-E2F2-4D1B-BCFC-521169C8EA83}"/>
               </a:ext>
             </a:extLst>
           </p:cNvPr>
@@ -2991,7 +2991,7 @@
           <p:cNvPr id="6" name="Slide Number Placeholder 5">
             <a:extLst>
               <a:ext uri="{FF2B5EF4-FFF2-40B4-BE49-F238E27FC236}">
-                <a16:creationId xmlns="" xmlns:a16="http://schemas.microsoft.com/office/drawing/2014/main" id="{E111173B-B48E-4DCF-8715-580539054913}"/>
+                <a16:creationId xmlns:a16="http://schemas.microsoft.com/office/drawing/2014/main" xmlns="" id="{E111173B-B48E-4DCF-8715-580539054913}"/>
               </a:ext>
             </a:extLst>
           </p:cNvPr>
@@ -3367,7 +3367,7 @@
           <p:cNvPr id="35" name="Oval 34">
             <a:extLst>
               <a:ext uri="{FF2B5EF4-FFF2-40B4-BE49-F238E27FC236}">
-                <a16:creationId xmlns="" xmlns:a16="http://schemas.microsoft.com/office/drawing/2014/main" id="{5DDABBE8-7360-452B-B856-38FEBE0D7B6C}"/>
+                <a16:creationId xmlns:a16="http://schemas.microsoft.com/office/drawing/2014/main" xmlns="" id="{5DDABBE8-7360-452B-B856-38FEBE0D7B6C}"/>
               </a:ext>
             </a:extLst>
           </p:cNvPr>
@@ -3450,7 +3450,7 @@
           <p:cNvPr id="10" name="TextBox 9">
             <a:extLst>
               <a:ext uri="{FF2B5EF4-FFF2-40B4-BE49-F238E27FC236}">
-                <a16:creationId xmlns="" xmlns:a16="http://schemas.microsoft.com/office/drawing/2014/main" id="{DB0A9C50-B290-4C30-A65A-9D7AB111D154}"/>
+                <a16:creationId xmlns:a16="http://schemas.microsoft.com/office/drawing/2014/main" xmlns="" id="{DB0A9C50-B290-4C30-A65A-9D7AB111D154}"/>
               </a:ext>
             </a:extLst>
           </p:cNvPr>
@@ -3529,7 +3529,7 @@
           <p:cNvPr id="66" name="Oval 65">
             <a:extLst>
               <a:ext uri="{FF2B5EF4-FFF2-40B4-BE49-F238E27FC236}">
-                <a16:creationId xmlns="" xmlns:a16="http://schemas.microsoft.com/office/drawing/2014/main" id="{B327ECD0-E1B0-4737-8A11-DA4355BE380C}"/>
+                <a16:creationId xmlns:a16="http://schemas.microsoft.com/office/drawing/2014/main" xmlns="" id="{B327ECD0-E1B0-4737-8A11-DA4355BE380C}"/>
               </a:ext>
             </a:extLst>
           </p:cNvPr>
@@ -3613,7 +3613,7 @@
           <p:cNvPr id="67" name="TextBox 66">
             <a:extLst>
               <a:ext uri="{FF2B5EF4-FFF2-40B4-BE49-F238E27FC236}">
-                <a16:creationId xmlns="" xmlns:a16="http://schemas.microsoft.com/office/drawing/2014/main" id="{43E9AA7E-9A40-4378-BA1F-D2DC2684ED35}"/>
+                <a16:creationId xmlns:a16="http://schemas.microsoft.com/office/drawing/2014/main" xmlns="" id="{43E9AA7E-9A40-4378-BA1F-D2DC2684ED35}"/>
               </a:ext>
             </a:extLst>
           </p:cNvPr>
@@ -3791,7 +3791,7 @@
           <p:cNvPr id="68" name="Oval 67">
             <a:extLst>
               <a:ext uri="{FF2B5EF4-FFF2-40B4-BE49-F238E27FC236}">
-                <a16:creationId xmlns="" xmlns:a16="http://schemas.microsoft.com/office/drawing/2014/main" id="{A445E318-5EBB-456A-AB1D-82C950818623}"/>
+                <a16:creationId xmlns:a16="http://schemas.microsoft.com/office/drawing/2014/main" xmlns="" id="{A445E318-5EBB-456A-AB1D-82C950818623}"/>
               </a:ext>
             </a:extLst>
           </p:cNvPr>
@@ -3889,7 +3889,7 @@
           <p:cNvPr id="73" name="Oval 72">
             <a:extLst>
               <a:ext uri="{FF2B5EF4-FFF2-40B4-BE49-F238E27FC236}">
-                <a16:creationId xmlns="" xmlns:a16="http://schemas.microsoft.com/office/drawing/2014/main" id="{6C67BB8D-4F08-4687-95FD-F1D81ABCF35D}"/>
+                <a16:creationId xmlns:a16="http://schemas.microsoft.com/office/drawing/2014/main" xmlns="" id="{6C67BB8D-4F08-4687-95FD-F1D81ABCF35D}"/>
               </a:ext>
             </a:extLst>
           </p:cNvPr>
@@ -3987,7 +3987,7 @@
           <p:cNvPr id="75" name="TextBox 74">
             <a:extLst>
               <a:ext uri="{FF2B5EF4-FFF2-40B4-BE49-F238E27FC236}">
-                <a16:creationId xmlns="" xmlns:a16="http://schemas.microsoft.com/office/drawing/2014/main" id="{F4AF6505-A775-4864-B23C-39B7D60FE049}"/>
+                <a16:creationId xmlns:a16="http://schemas.microsoft.com/office/drawing/2014/main" xmlns="" id="{F4AF6505-A775-4864-B23C-39B7D60FE049}"/>
               </a:ext>
             </a:extLst>
           </p:cNvPr>
@@ -4179,7 +4179,7 @@
           <p:cNvPr id="76" name="TextBox 75">
             <a:extLst>
               <a:ext uri="{FF2B5EF4-FFF2-40B4-BE49-F238E27FC236}">
-                <a16:creationId xmlns="" xmlns:a16="http://schemas.microsoft.com/office/drawing/2014/main" id="{A98F7418-2E84-4D83-AB5C-A6C8FD62F902}"/>
+                <a16:creationId xmlns:a16="http://schemas.microsoft.com/office/drawing/2014/main" xmlns="" id="{A98F7418-2E84-4D83-AB5C-A6C8FD62F902}"/>
               </a:ext>
             </a:extLst>
           </p:cNvPr>
@@ -4327,7 +4327,7 @@
           <p:cNvPr id="77" name="Oval 76">
             <a:extLst>
               <a:ext uri="{FF2B5EF4-FFF2-40B4-BE49-F238E27FC236}">
-                <a16:creationId xmlns="" xmlns:a16="http://schemas.microsoft.com/office/drawing/2014/main" id="{30944E66-AC4C-4425-AB68-2D7ACD83CD9A}"/>
+                <a16:creationId xmlns:a16="http://schemas.microsoft.com/office/drawing/2014/main" xmlns="" id="{30944E66-AC4C-4425-AB68-2D7ACD83CD9A}"/>
               </a:ext>
             </a:extLst>
           </p:cNvPr>
@@ -4425,7 +4425,7 @@
           <p:cNvPr id="78" name="TextBox 77">
             <a:extLst>
               <a:ext uri="{FF2B5EF4-FFF2-40B4-BE49-F238E27FC236}">
-                <a16:creationId xmlns="" xmlns:a16="http://schemas.microsoft.com/office/drawing/2014/main" id="{91FE69F6-9293-4343-B952-0660EA60F5D7}"/>
+                <a16:creationId xmlns:a16="http://schemas.microsoft.com/office/drawing/2014/main" xmlns="" id="{91FE69F6-9293-4343-B952-0660EA60F5D7}"/>
               </a:ext>
             </a:extLst>
           </p:cNvPr>
@@ -4530,7 +4530,7 @@
           <p:cNvPr id="29" name="Oval 28">
             <a:extLst>
               <a:ext uri="{FF2B5EF4-FFF2-40B4-BE49-F238E27FC236}">
-                <a16:creationId xmlns="" xmlns:a16="http://schemas.microsoft.com/office/drawing/2014/main" id="{B3187278-174E-40F9-9099-8E759C168EB1}"/>
+                <a16:creationId xmlns:a16="http://schemas.microsoft.com/office/drawing/2014/main" xmlns="" id="{B3187278-174E-40F9-9099-8E759C168EB1}"/>
               </a:ext>
             </a:extLst>
           </p:cNvPr>
@@ -4660,7 +4660,7 @@
           <p:cNvPr id="32" name="TextBox 9">
             <a:extLst>
               <a:ext uri="{FF2B5EF4-FFF2-40B4-BE49-F238E27FC236}">
-                <a16:creationId xmlns="" xmlns:a16="http://schemas.microsoft.com/office/drawing/2014/main" id="{DB0A9C50-B290-4C30-A65A-9D7AB111D154}"/>
+                <a16:creationId xmlns:a16="http://schemas.microsoft.com/office/drawing/2014/main" xmlns="" id="{DB0A9C50-B290-4C30-A65A-9D7AB111D154}"/>
               </a:ext>
             </a:extLst>
           </p:cNvPr>
@@ -4756,7 +4756,7 @@
           <p:cNvPr id="33" name="TextBox 66">
             <a:extLst>
               <a:ext uri="{FF2B5EF4-FFF2-40B4-BE49-F238E27FC236}">
-                <a16:creationId xmlns="" xmlns:a16="http://schemas.microsoft.com/office/drawing/2014/main" id="{43E9AA7E-9A40-4378-BA1F-D2DC2684ED35}"/>
+                <a16:creationId xmlns:a16="http://schemas.microsoft.com/office/drawing/2014/main" xmlns="" id="{43E9AA7E-9A40-4378-BA1F-D2DC2684ED35}"/>
               </a:ext>
             </a:extLst>
           </p:cNvPr>
@@ -4855,7 +4855,7 @@
           <p:cNvPr id="35" name="Oval 34">
             <a:extLst>
               <a:ext uri="{FF2B5EF4-FFF2-40B4-BE49-F238E27FC236}">
-                <a16:creationId xmlns="" xmlns:a16="http://schemas.microsoft.com/office/drawing/2014/main" id="{5DDABBE8-7360-452B-B856-38FEBE0D7B6C}"/>
+                <a16:creationId xmlns:a16="http://schemas.microsoft.com/office/drawing/2014/main" xmlns="" id="{5DDABBE8-7360-452B-B856-38FEBE0D7B6C}"/>
               </a:ext>
             </a:extLst>
           </p:cNvPr>
@@ -4938,7 +4938,7 @@
           <p:cNvPr id="10" name="TextBox 9">
             <a:extLst>
               <a:ext uri="{FF2B5EF4-FFF2-40B4-BE49-F238E27FC236}">
-                <a16:creationId xmlns="" xmlns:a16="http://schemas.microsoft.com/office/drawing/2014/main" id="{DB0A9C50-B290-4C30-A65A-9D7AB111D154}"/>
+                <a16:creationId xmlns:a16="http://schemas.microsoft.com/office/drawing/2014/main" xmlns="" id="{DB0A9C50-B290-4C30-A65A-9D7AB111D154}"/>
               </a:ext>
             </a:extLst>
           </p:cNvPr>
@@ -5034,7 +5034,7 @@
           <p:cNvPr id="66" name="Oval 65">
             <a:extLst>
               <a:ext uri="{FF2B5EF4-FFF2-40B4-BE49-F238E27FC236}">
-                <a16:creationId xmlns="" xmlns:a16="http://schemas.microsoft.com/office/drawing/2014/main" id="{B327ECD0-E1B0-4737-8A11-DA4355BE380C}"/>
+                <a16:creationId xmlns:a16="http://schemas.microsoft.com/office/drawing/2014/main" xmlns="" id="{B327ECD0-E1B0-4737-8A11-DA4355BE380C}"/>
               </a:ext>
             </a:extLst>
           </p:cNvPr>
@@ -5118,7 +5118,7 @@
           <p:cNvPr id="67" name="TextBox 66">
             <a:extLst>
               <a:ext uri="{FF2B5EF4-FFF2-40B4-BE49-F238E27FC236}">
-                <a16:creationId xmlns="" xmlns:a16="http://schemas.microsoft.com/office/drawing/2014/main" id="{43E9AA7E-9A40-4378-BA1F-D2DC2684ED35}"/>
+                <a16:creationId xmlns:a16="http://schemas.microsoft.com/office/drawing/2014/main" xmlns="" id="{43E9AA7E-9A40-4378-BA1F-D2DC2684ED35}"/>
               </a:ext>
             </a:extLst>
           </p:cNvPr>
@@ -5202,7 +5202,7 @@
           <p:cNvPr id="68" name="Oval 67">
             <a:extLst>
               <a:ext uri="{FF2B5EF4-FFF2-40B4-BE49-F238E27FC236}">
-                <a16:creationId xmlns="" xmlns:a16="http://schemas.microsoft.com/office/drawing/2014/main" id="{A445E318-5EBB-456A-AB1D-82C950818623}"/>
+                <a16:creationId xmlns:a16="http://schemas.microsoft.com/office/drawing/2014/main" xmlns="" id="{A445E318-5EBB-456A-AB1D-82C950818623}"/>
               </a:ext>
             </a:extLst>
           </p:cNvPr>
@@ -5286,7 +5286,7 @@
           <p:cNvPr id="73" name="Oval 72">
             <a:extLst>
               <a:ext uri="{FF2B5EF4-FFF2-40B4-BE49-F238E27FC236}">
-                <a16:creationId xmlns="" xmlns:a16="http://schemas.microsoft.com/office/drawing/2014/main" id="{6C67BB8D-4F08-4687-95FD-F1D81ABCF35D}"/>
+                <a16:creationId xmlns:a16="http://schemas.microsoft.com/office/drawing/2014/main" xmlns="" id="{6C67BB8D-4F08-4687-95FD-F1D81ABCF35D}"/>
               </a:ext>
             </a:extLst>
           </p:cNvPr>
@@ -5370,7 +5370,7 @@
           <p:cNvPr id="75" name="TextBox 74">
             <a:extLst>
               <a:ext uri="{FF2B5EF4-FFF2-40B4-BE49-F238E27FC236}">
-                <a16:creationId xmlns="" xmlns:a16="http://schemas.microsoft.com/office/drawing/2014/main" id="{F4AF6505-A775-4864-B23C-39B7D60FE049}"/>
+                <a16:creationId xmlns:a16="http://schemas.microsoft.com/office/drawing/2014/main" xmlns="" id="{F4AF6505-A775-4864-B23C-39B7D60FE049}"/>
               </a:ext>
             </a:extLst>
           </p:cNvPr>
@@ -5440,7 +5440,7 @@
           <p:cNvPr id="76" name="TextBox 75">
             <a:extLst>
               <a:ext uri="{FF2B5EF4-FFF2-40B4-BE49-F238E27FC236}">
-                <a16:creationId xmlns="" xmlns:a16="http://schemas.microsoft.com/office/drawing/2014/main" id="{A98F7418-2E84-4D83-AB5C-A6C8FD62F902}"/>
+                <a16:creationId xmlns:a16="http://schemas.microsoft.com/office/drawing/2014/main" xmlns="" id="{A98F7418-2E84-4D83-AB5C-A6C8FD62F902}"/>
               </a:ext>
             </a:extLst>
           </p:cNvPr>
@@ -5536,7 +5536,7 @@
           <p:cNvPr id="29" name="Oval 28">
             <a:extLst>
               <a:ext uri="{FF2B5EF4-FFF2-40B4-BE49-F238E27FC236}">
-                <a16:creationId xmlns="" xmlns:a16="http://schemas.microsoft.com/office/drawing/2014/main" id="{B3187278-174E-40F9-9099-8E759C168EB1}"/>
+                <a16:creationId xmlns:a16="http://schemas.microsoft.com/office/drawing/2014/main" xmlns="" id="{B3187278-174E-40F9-9099-8E759C168EB1}"/>
               </a:ext>
             </a:extLst>
           </p:cNvPr>
@@ -5636,7 +5636,7 @@
           <p:cNvPr id="33" name="TextBox 66">
             <a:extLst>
               <a:ext uri="{FF2B5EF4-FFF2-40B4-BE49-F238E27FC236}">
-                <a16:creationId xmlns="" xmlns:a16="http://schemas.microsoft.com/office/drawing/2014/main" id="{43E9AA7E-9A40-4378-BA1F-D2DC2684ED35}"/>
+                <a16:creationId xmlns:a16="http://schemas.microsoft.com/office/drawing/2014/main" xmlns="" id="{43E9AA7E-9A40-4378-BA1F-D2DC2684ED35}"/>
               </a:ext>
             </a:extLst>
           </p:cNvPr>
@@ -5720,7 +5720,7 @@
           <p:cNvPr id="18" name="TextBox 74">
             <a:extLst>
               <a:ext uri="{FF2B5EF4-FFF2-40B4-BE49-F238E27FC236}">
-                <a16:creationId xmlns="" xmlns:a16="http://schemas.microsoft.com/office/drawing/2014/main" id="{F4AF6505-A775-4864-B23C-39B7D60FE049}"/>
+                <a16:creationId xmlns:a16="http://schemas.microsoft.com/office/drawing/2014/main" xmlns="" id="{F4AF6505-A775-4864-B23C-39B7D60FE049}"/>
               </a:ext>
             </a:extLst>
           </p:cNvPr>
@@ -5763,7 +5763,7 @@
           <p:cNvPr id="19" name="TextBox 74">
             <a:extLst>
               <a:ext uri="{FF2B5EF4-FFF2-40B4-BE49-F238E27FC236}">
-                <a16:creationId xmlns="" xmlns:a16="http://schemas.microsoft.com/office/drawing/2014/main" id="{F4AF6505-A775-4864-B23C-39B7D60FE049}"/>
+                <a16:creationId xmlns:a16="http://schemas.microsoft.com/office/drawing/2014/main" xmlns="" id="{F4AF6505-A775-4864-B23C-39B7D60FE049}"/>
               </a:ext>
             </a:extLst>
           </p:cNvPr>
@@ -5806,7 +5806,7 @@
           <p:cNvPr id="20" name="TextBox 74">
             <a:extLst>
               <a:ext uri="{FF2B5EF4-FFF2-40B4-BE49-F238E27FC236}">
-                <a16:creationId xmlns="" xmlns:a16="http://schemas.microsoft.com/office/drawing/2014/main" id="{F4AF6505-A775-4864-B23C-39B7D60FE049}"/>
+                <a16:creationId xmlns:a16="http://schemas.microsoft.com/office/drawing/2014/main" xmlns="" id="{F4AF6505-A775-4864-B23C-39B7D60FE049}"/>
               </a:ext>
             </a:extLst>
           </p:cNvPr>
@@ -5894,7 +5894,7 @@
           <p:cNvPr id="10" name="TextBox 9">
             <a:extLst>
               <a:ext uri="{FF2B5EF4-FFF2-40B4-BE49-F238E27FC236}">
-                <a16:creationId xmlns="" xmlns:a16="http://schemas.microsoft.com/office/drawing/2014/main" id="{DB0A9C50-B290-4C30-A65A-9D7AB111D154}"/>
+                <a16:creationId xmlns:a16="http://schemas.microsoft.com/office/drawing/2014/main" xmlns="" id="{DB0A9C50-B290-4C30-A65A-9D7AB111D154}"/>
               </a:ext>
             </a:extLst>
           </p:cNvPr>
@@ -5967,7 +5967,7 @@
           <p:cNvPr id="29" name="Oval 28">
             <a:extLst>
               <a:ext uri="{FF2B5EF4-FFF2-40B4-BE49-F238E27FC236}">
-                <a16:creationId xmlns="" xmlns:a16="http://schemas.microsoft.com/office/drawing/2014/main" id="{B3187278-174E-40F9-9099-8E759C168EB1}"/>
+                <a16:creationId xmlns:a16="http://schemas.microsoft.com/office/drawing/2014/main" xmlns="" id="{B3187278-174E-40F9-9099-8E759C168EB1}"/>
               </a:ext>
             </a:extLst>
           </p:cNvPr>
@@ -6067,7 +6067,7 @@
           <p:cNvPr id="33" name="TextBox 66">
             <a:extLst>
               <a:ext uri="{FF2B5EF4-FFF2-40B4-BE49-F238E27FC236}">
-                <a16:creationId xmlns="" xmlns:a16="http://schemas.microsoft.com/office/drawing/2014/main" id="{43E9AA7E-9A40-4378-BA1F-D2DC2684ED35}"/>
+                <a16:creationId xmlns:a16="http://schemas.microsoft.com/office/drawing/2014/main" xmlns="" id="{43E9AA7E-9A40-4378-BA1F-D2DC2684ED35}"/>
               </a:ext>
             </a:extLst>
           </p:cNvPr>
@@ -6135,7 +6135,7 @@
             <p:cNvPr id="76" name="TextBox 75">
               <a:extLst>
                 <a:ext uri="{FF2B5EF4-FFF2-40B4-BE49-F238E27FC236}">
-                  <a16:creationId xmlns="" xmlns:a16="http://schemas.microsoft.com/office/drawing/2014/main" id="{A98F7418-2E84-4D83-AB5C-A6C8FD62F902}"/>
+                  <a16:creationId xmlns:a16="http://schemas.microsoft.com/office/drawing/2014/main" xmlns="" id="{A98F7418-2E84-4D83-AB5C-A6C8FD62F902}"/>
                 </a:ext>
               </a:extLst>
             </p:cNvPr>
@@ -6343,7 +6343,7 @@
           <p:cNvPr id="10" name="TextBox 9">
             <a:extLst>
               <a:ext uri="{FF2B5EF4-FFF2-40B4-BE49-F238E27FC236}">
-                <a16:creationId xmlns="" xmlns:a16="http://schemas.microsoft.com/office/drawing/2014/main" id="{DB0A9C50-B290-4C30-A65A-9D7AB111D154}"/>
+                <a16:creationId xmlns:a16="http://schemas.microsoft.com/office/drawing/2014/main" xmlns="" id="{DB0A9C50-B290-4C30-A65A-9D7AB111D154}"/>
               </a:ext>
             </a:extLst>
           </p:cNvPr>
@@ -6416,7 +6416,7 @@
           <p:cNvPr id="29" name="Oval 28">
             <a:extLst>
               <a:ext uri="{FF2B5EF4-FFF2-40B4-BE49-F238E27FC236}">
-                <a16:creationId xmlns="" xmlns:a16="http://schemas.microsoft.com/office/drawing/2014/main" id="{B3187278-174E-40F9-9099-8E759C168EB1}"/>
+                <a16:creationId xmlns:a16="http://schemas.microsoft.com/office/drawing/2014/main" xmlns="" id="{B3187278-174E-40F9-9099-8E759C168EB1}"/>
               </a:ext>
             </a:extLst>
           </p:cNvPr>
@@ -6516,7 +6516,7 @@
           <p:cNvPr id="33" name="TextBox 66">
             <a:extLst>
               <a:ext uri="{FF2B5EF4-FFF2-40B4-BE49-F238E27FC236}">
-                <a16:creationId xmlns="" xmlns:a16="http://schemas.microsoft.com/office/drawing/2014/main" id="{43E9AA7E-9A40-4378-BA1F-D2DC2684ED35}"/>
+                <a16:creationId xmlns:a16="http://schemas.microsoft.com/office/drawing/2014/main" xmlns="" id="{43E9AA7E-9A40-4378-BA1F-D2DC2684ED35}"/>
               </a:ext>
             </a:extLst>
           </p:cNvPr>
@@ -6584,7 +6584,7 @@
             <p:cNvPr id="76" name="TextBox 75">
               <a:extLst>
                 <a:ext uri="{FF2B5EF4-FFF2-40B4-BE49-F238E27FC236}">
-                  <a16:creationId xmlns="" xmlns:a16="http://schemas.microsoft.com/office/drawing/2014/main" id="{A98F7418-2E84-4D83-AB5C-A6C8FD62F902}"/>
+                  <a16:creationId xmlns:a16="http://schemas.microsoft.com/office/drawing/2014/main" xmlns="" id="{A98F7418-2E84-4D83-AB5C-A6C8FD62F902}"/>
                 </a:ext>
               </a:extLst>
             </p:cNvPr>
@@ -6820,7 +6820,7 @@
           <p:cNvPr id="10" name="TextBox 9">
             <a:extLst>
               <a:ext uri="{FF2B5EF4-FFF2-40B4-BE49-F238E27FC236}">
-                <a16:creationId xmlns="" xmlns:a16="http://schemas.microsoft.com/office/drawing/2014/main" id="{DB0A9C50-B290-4C30-A65A-9D7AB111D154}"/>
+                <a16:creationId xmlns:a16="http://schemas.microsoft.com/office/drawing/2014/main" xmlns="" id="{DB0A9C50-B290-4C30-A65A-9D7AB111D154}"/>
               </a:ext>
             </a:extLst>
           </p:cNvPr>
@@ -6893,7 +6893,7 @@
           <p:cNvPr id="29" name="Oval 28">
             <a:extLst>
               <a:ext uri="{FF2B5EF4-FFF2-40B4-BE49-F238E27FC236}">
-                <a16:creationId xmlns="" xmlns:a16="http://schemas.microsoft.com/office/drawing/2014/main" id="{B3187278-174E-40F9-9099-8E759C168EB1}"/>
+                <a16:creationId xmlns:a16="http://schemas.microsoft.com/office/drawing/2014/main" xmlns="" id="{B3187278-174E-40F9-9099-8E759C168EB1}"/>
               </a:ext>
             </a:extLst>
           </p:cNvPr>
@@ -6993,7 +6993,7 @@
           <p:cNvPr id="33" name="TextBox 66">
             <a:extLst>
               <a:ext uri="{FF2B5EF4-FFF2-40B4-BE49-F238E27FC236}">
-                <a16:creationId xmlns="" xmlns:a16="http://schemas.microsoft.com/office/drawing/2014/main" id="{43E9AA7E-9A40-4378-BA1F-D2DC2684ED35}"/>
+                <a16:creationId xmlns:a16="http://schemas.microsoft.com/office/drawing/2014/main" xmlns="" id="{43E9AA7E-9A40-4378-BA1F-D2DC2684ED35}"/>
               </a:ext>
             </a:extLst>
           </p:cNvPr>
@@ -7047,7 +7047,7 @@
           <p:cNvPr id="76" name="TextBox 75">
             <a:extLst>
               <a:ext uri="{FF2B5EF4-FFF2-40B4-BE49-F238E27FC236}">
-                <a16:creationId xmlns="" xmlns:a16="http://schemas.microsoft.com/office/drawing/2014/main" id="{A98F7418-2E84-4D83-AB5C-A6C8FD62F902}"/>
+                <a16:creationId xmlns:a16="http://schemas.microsoft.com/office/drawing/2014/main" xmlns="" id="{A98F7418-2E84-4D83-AB5C-A6C8FD62F902}"/>
               </a:ext>
             </a:extLst>
           </p:cNvPr>
@@ -7211,7 +7211,7 @@
           <p:cNvPr id="33" name="TextBox 66">
             <a:extLst>
               <a:ext uri="{FF2B5EF4-FFF2-40B4-BE49-F238E27FC236}">
-                <a16:creationId xmlns="" xmlns:a16="http://schemas.microsoft.com/office/drawing/2014/main" id="{43E9AA7E-9A40-4378-BA1F-D2DC2684ED35}"/>
+                <a16:creationId xmlns:a16="http://schemas.microsoft.com/office/drawing/2014/main" xmlns="" id="{43E9AA7E-9A40-4378-BA1F-D2DC2684ED35}"/>
               </a:ext>
             </a:extLst>
           </p:cNvPr>
@@ -7308,7 +7308,7 @@
           <p:cNvPr id="29" name="Oval 28">
             <a:extLst>
               <a:ext uri="{FF2B5EF4-FFF2-40B4-BE49-F238E27FC236}">
-                <a16:creationId xmlns="" xmlns:a16="http://schemas.microsoft.com/office/drawing/2014/main" id="{B3187278-174E-40F9-9099-8E759C168EB1}"/>
+                <a16:creationId xmlns:a16="http://schemas.microsoft.com/office/drawing/2014/main" xmlns="" id="{B3187278-174E-40F9-9099-8E759C168EB1}"/>
               </a:ext>
             </a:extLst>
           </p:cNvPr>
@@ -7453,7 +7453,7 @@
           <p:cNvPr id="10" name="TextBox 9">
             <a:extLst>
               <a:ext uri="{FF2B5EF4-FFF2-40B4-BE49-F238E27FC236}">
-                <a16:creationId xmlns="" xmlns:a16="http://schemas.microsoft.com/office/drawing/2014/main" id="{DB0A9C50-B290-4C30-A65A-9D7AB111D154}"/>
+                <a16:creationId xmlns:a16="http://schemas.microsoft.com/office/drawing/2014/main" xmlns="" id="{DB0A9C50-B290-4C30-A65A-9D7AB111D154}"/>
               </a:ext>
             </a:extLst>
           </p:cNvPr>
@@ -7526,7 +7526,7 @@
           <p:cNvPr id="29" name="Oval 28">
             <a:extLst>
               <a:ext uri="{FF2B5EF4-FFF2-40B4-BE49-F238E27FC236}">
-                <a16:creationId xmlns="" xmlns:a16="http://schemas.microsoft.com/office/drawing/2014/main" id="{B3187278-174E-40F9-9099-8E759C168EB1}"/>
+                <a16:creationId xmlns:a16="http://schemas.microsoft.com/office/drawing/2014/main" xmlns="" id="{B3187278-174E-40F9-9099-8E759C168EB1}"/>
               </a:ext>
             </a:extLst>
           </p:cNvPr>
@@ -7626,7 +7626,7 @@
           <p:cNvPr id="33" name="TextBox 66">
             <a:extLst>
               <a:ext uri="{FF2B5EF4-FFF2-40B4-BE49-F238E27FC236}">
-                <a16:creationId xmlns="" xmlns:a16="http://schemas.microsoft.com/office/drawing/2014/main" id="{43E9AA7E-9A40-4378-BA1F-D2DC2684ED35}"/>
+                <a16:creationId xmlns:a16="http://schemas.microsoft.com/office/drawing/2014/main" xmlns="" id="{43E9AA7E-9A40-4378-BA1F-D2DC2684ED35}"/>
               </a:ext>
             </a:extLst>
           </p:cNvPr>
@@ -7818,7 +7818,7 @@
           <p:cNvPr id="24" name="TextBox 75">
             <a:extLst>
               <a:ext uri="{FF2B5EF4-FFF2-40B4-BE49-F238E27FC236}">
-                <a16:creationId xmlns="" xmlns:a16="http://schemas.microsoft.com/office/drawing/2014/main" id="{A98F7418-2E84-4D83-AB5C-A6C8FD62F902}"/>
+                <a16:creationId xmlns:a16="http://schemas.microsoft.com/office/drawing/2014/main" xmlns="" id="{A98F7418-2E84-4D83-AB5C-A6C8FD62F902}"/>
               </a:ext>
             </a:extLst>
           </p:cNvPr>
@@ -7865,7 +7865,7 @@
           <p:cNvPr id="26" name="TextBox 75">
             <a:extLst>
               <a:ext uri="{FF2B5EF4-FFF2-40B4-BE49-F238E27FC236}">
-                <a16:creationId xmlns="" xmlns:a16="http://schemas.microsoft.com/office/drawing/2014/main" id="{A98F7418-2E84-4D83-AB5C-A6C8FD62F902}"/>
+                <a16:creationId xmlns:a16="http://schemas.microsoft.com/office/drawing/2014/main" xmlns="" id="{A98F7418-2E84-4D83-AB5C-A6C8FD62F902}"/>
               </a:ext>
             </a:extLst>
           </p:cNvPr>
@@ -7907,7 +7907,7 @@
           <p:cNvPr id="27" name="TextBox 75">
             <a:extLst>
               <a:ext uri="{FF2B5EF4-FFF2-40B4-BE49-F238E27FC236}">
-                <a16:creationId xmlns="" xmlns:a16="http://schemas.microsoft.com/office/drawing/2014/main" id="{A98F7418-2E84-4D83-AB5C-A6C8FD62F902}"/>
+                <a16:creationId xmlns:a16="http://schemas.microsoft.com/office/drawing/2014/main" xmlns="" id="{A98F7418-2E84-4D83-AB5C-A6C8FD62F902}"/>
               </a:ext>
             </a:extLst>
           </p:cNvPr>
@@ -8029,7 +8029,7 @@
           <p:cNvPr id="10" name="TextBox 9">
             <a:extLst>
               <a:ext uri="{FF2B5EF4-FFF2-40B4-BE49-F238E27FC236}">
-                <a16:creationId xmlns="" xmlns:a16="http://schemas.microsoft.com/office/drawing/2014/main" id="{DB0A9C50-B290-4C30-A65A-9D7AB111D154}"/>
+                <a16:creationId xmlns:a16="http://schemas.microsoft.com/office/drawing/2014/main" xmlns="" id="{DB0A9C50-B290-4C30-A65A-9D7AB111D154}"/>
               </a:ext>
             </a:extLst>
           </p:cNvPr>
@@ -8078,7 +8078,7 @@
                 <a:ea typeface="Noto Sans" panose="020B0502040504020204" pitchFamily="34"/>
                 <a:cs typeface="Noto Sans" panose="020B0502040504020204" pitchFamily="34"/>
               </a:rPr>
-              <a:t>BENİ DİNLEDİĞİNİZ İÇİN TEŞEKKÜRLER</a:t>
+              <a:t>TEŞEKKÜRLER</a:t>
             </a:r>
             <a:endParaRPr kumimoji="0" lang="en-GB" sz="4400" b="0" i="0" u="none" strike="noStrike" kern="1200" cap="none" spc="0" normalizeH="0" baseline="0" noProof="0" dirty="0">
               <a:ln>
@@ -8102,7 +8102,7 @@
           <p:cNvPr id="29" name="Oval 28">
             <a:extLst>
               <a:ext uri="{FF2B5EF4-FFF2-40B4-BE49-F238E27FC236}">
-                <a16:creationId xmlns="" xmlns:a16="http://schemas.microsoft.com/office/drawing/2014/main" id="{B3187278-174E-40F9-9099-8E759C168EB1}"/>
+                <a16:creationId xmlns:a16="http://schemas.microsoft.com/office/drawing/2014/main" xmlns="" id="{B3187278-174E-40F9-9099-8E759C168EB1}"/>
               </a:ext>
             </a:extLst>
           </p:cNvPr>
@@ -8180,20 +8180,6 @@
               </a:rPr>
               <a:t>8</a:t>
             </a:r>
-            <a:endParaRPr kumimoji="0" lang="tr-TR" sz="1800" b="0" i="0" u="none" strike="noStrike" kern="1200" cap="none" spc="0" normalizeH="0" baseline="0" noProof="0" dirty="0" smtClean="0">
-              <a:ln>
-                <a:noFill/>
-              </a:ln>
-              <a:solidFill>
-                <a:srgbClr val="FFFFFF"/>
-              </a:solidFill>
-              <a:effectLst/>
-              <a:uLnTx/>
-              <a:uFillTx/>
-              <a:latin typeface="Noto Sans" panose="020B0502040504020204" pitchFamily="34"/>
-              <a:ea typeface="Noto Sans" panose="020B0502040504020204" pitchFamily="34"/>
-              <a:cs typeface="Noto Sans" panose="020B0502040504020204" pitchFamily="34"/>
-            </a:endParaRPr>
           </a:p>
         </p:txBody>
       </p:sp>
@@ -8202,7 +8188,7 @@
           <p:cNvPr id="33" name="TextBox 66">
             <a:extLst>
               <a:ext uri="{FF2B5EF4-FFF2-40B4-BE49-F238E27FC236}">
-                <a16:creationId xmlns="" xmlns:a16="http://schemas.microsoft.com/office/drawing/2014/main" id="{43E9AA7E-9A40-4378-BA1F-D2DC2684ED35}"/>
+                <a16:creationId xmlns:a16="http://schemas.microsoft.com/office/drawing/2014/main" xmlns="" id="{43E9AA7E-9A40-4378-BA1F-D2DC2684ED35}"/>
               </a:ext>
             </a:extLst>
           </p:cNvPr>
@@ -8560,7 +8546,7 @@
   <a:extraClrSchemeLst/>
   <a:extLst>
     <a:ext uri="{05A4C25C-085E-4340-85A3-A5531E510DB2}">
-      <thm15:themeFamily xmlns="" xmlns:thm15="http://schemas.microsoft.com/office/thememl/2012/main" name="Office Theme" id="{62F939B6-93AF-4DB8-9C6B-D6C7DFDC589F}" vid="{4A3C46E8-61CC-4603-A589-7422A47A8E4A}"/>
+      <thm15:themeFamily xmlns:thm15="http://schemas.microsoft.com/office/thememl/2012/main" xmlns="" name="Office Theme" id="{62F939B6-93AF-4DB8-9C6B-D6C7DFDC589F}" vid="{4A3C46E8-61CC-4603-A589-7422A47A8E4A}"/>
     </a:ext>
   </a:extLst>
 </a:theme>
